--- a/report/数据库演示.pptx
+++ b/report/数据库演示.pptx
@@ -5,7 +5,7 @@
     <p:sldMasterId id="2147483648" r:id="rId1"/>
   </p:sldMasterIdLst>
   <p:notesMasterIdLst>
-    <p:notesMasterId r:id="rId14"/>
+    <p:notesMasterId r:id="rId15"/>
   </p:notesMasterIdLst>
   <p:sldIdLst>
     <p:sldId id="256" r:id="rId2"/>
@@ -17,9 +17,10 @@
     <p:sldId id="263" r:id="rId8"/>
     <p:sldId id="265" r:id="rId9"/>
     <p:sldId id="266" r:id="rId10"/>
-    <p:sldId id="260" r:id="rId11"/>
-    <p:sldId id="267" r:id="rId12"/>
-    <p:sldId id="261" r:id="rId13"/>
+    <p:sldId id="269" r:id="rId11"/>
+    <p:sldId id="260" r:id="rId12"/>
+    <p:sldId id="267" r:id="rId13"/>
+    <p:sldId id="261" r:id="rId14"/>
   </p:sldIdLst>
   <p:sldSz cx="12192000" cy="6858000"/>
   <p:notesSz cx="6858000" cy="9144000"/>
@@ -5121,6 +5122,134 @@
       </p:grpSpPr>
       <p:sp>
         <p:nvSpPr>
+          <p:cNvPr id="2" name="标题 1">
+            <a:extLst>
+              <a:ext uri="{FF2B5EF4-FFF2-40B4-BE49-F238E27FC236}">
+                <a16:creationId xmlns:a16="http://schemas.microsoft.com/office/drawing/2014/main" id="{1A8D2EA4-D0A9-99CD-A697-11F8E9545BC4}"/>
+              </a:ext>
+            </a:extLst>
+          </p:cNvPr>
+          <p:cNvSpPr>
+            <a:spLocks noGrp="1"/>
+          </p:cNvSpPr>
+          <p:nvPr>
+            <p:ph type="title"/>
+          </p:nvPr>
+        </p:nvSpPr>
+        <p:spPr/>
+        <p:txBody>
+          <a:bodyPr/>
+          <a:lstStyle/>
+          <a:p>
+            <a:endParaRPr lang="zh-CN" altLang="en-US" dirty="0"/>
+          </a:p>
+        </p:txBody>
+      </p:sp>
+      <p:pic>
+        <p:nvPicPr>
+          <p:cNvPr id="5" name="内容占位符 4">
+            <a:extLst>
+              <a:ext uri="{FF2B5EF4-FFF2-40B4-BE49-F238E27FC236}">
+                <a16:creationId xmlns:a16="http://schemas.microsoft.com/office/drawing/2014/main" id="{82773DE7-287F-04BD-F669-A1BA327FEEA5}"/>
+              </a:ext>
+            </a:extLst>
+          </p:cNvPr>
+          <p:cNvPicPr>
+            <a:picLocks noGrp="1" noChangeAspect="1"/>
+          </p:cNvPicPr>
+          <p:nvPr>
+            <p:ph idx="1"/>
+          </p:nvPr>
+        </p:nvPicPr>
+        <p:blipFill>
+          <a:blip r:embed="rId2"/>
+          <a:stretch>
+            <a:fillRect/>
+          </a:stretch>
+        </p:blipFill>
+        <p:spPr>
+          <a:xfrm>
+            <a:off x="1" y="2294725"/>
+            <a:ext cx="12021414" cy="3723938"/>
+          </a:xfrm>
+        </p:spPr>
+      </p:pic>
+      <p:sp>
+        <p:nvSpPr>
+          <p:cNvPr id="13" name="文本框 12">
+            <a:extLst>
+              <a:ext uri="{FF2B5EF4-FFF2-40B4-BE49-F238E27FC236}">
+                <a16:creationId xmlns:a16="http://schemas.microsoft.com/office/drawing/2014/main" id="{3C8CD56A-BA27-F580-BEA0-23F13B02DE37}"/>
+              </a:ext>
+            </a:extLst>
+          </p:cNvPr>
+          <p:cNvSpPr txBox="1"/>
+          <p:nvPr/>
+        </p:nvSpPr>
+        <p:spPr>
+          <a:xfrm>
+            <a:off x="838200" y="907678"/>
+            <a:ext cx="1822155" cy="369332"/>
+          </a:xfrm>
+          <a:prstGeom prst="rect">
+            <a:avLst/>
+          </a:prstGeom>
+          <a:noFill/>
+        </p:spPr>
+        <p:txBody>
+          <a:bodyPr wrap="square">
+            <a:spAutoFit/>
+          </a:bodyPr>
+          <a:lstStyle/>
+          <a:p>
+            <a:pPr>
+              <a:spcBef>
+                <a:spcPts val="1800"/>
+              </a:spcBef>
+              <a:spcAft>
+                <a:spcPts val="1200"/>
+              </a:spcAft>
+              <a:buNone/>
+            </a:pPr>
+            <a:r>
+              <a:rPr lang="zh-CN" altLang="en-US" dirty="0"/>
+              <a:t>商品购买流程</a:t>
+            </a:r>
+          </a:p>
+        </p:txBody>
+      </p:sp>
+    </p:spTree>
+    <p:extLst>
+      <p:ext uri="{BB962C8B-B14F-4D97-AF65-F5344CB8AC3E}">
+        <p14:creationId xmlns:p14="http://schemas.microsoft.com/office/powerpoint/2010/main" val="778752717"/>
+      </p:ext>
+    </p:extLst>
+  </p:cSld>
+  <p:clrMapOvr>
+    <a:masterClrMapping/>
+  </p:clrMapOvr>
+</p:sld>
+</file>
+
+<file path=ppt/slides/slide11.xml><?xml version="1.0" encoding="utf-8"?>
+<p:sld xmlns:a="http://schemas.openxmlformats.org/drawingml/2006/main" xmlns:r="http://schemas.openxmlformats.org/officeDocument/2006/relationships" xmlns:p="http://schemas.openxmlformats.org/presentationml/2006/main">
+  <p:cSld>
+    <p:spTree>
+      <p:nvGrpSpPr>
+        <p:cNvPr id="1" name=""/>
+        <p:cNvGrpSpPr/>
+        <p:nvPr/>
+      </p:nvGrpSpPr>
+      <p:grpSpPr>
+        <a:xfrm>
+          <a:off x="0" y="0"/>
+          <a:ext cx="0" cy="0"/>
+          <a:chOff x="0" y="0"/>
+          <a:chExt cx="0" cy="0"/>
+        </a:xfrm>
+      </p:grpSpPr>
+      <p:sp>
+        <p:nvSpPr>
           <p:cNvPr id="4" name="文本框 3">
             <a:extLst>
               <a:ext uri="{FF2B5EF4-FFF2-40B4-BE49-F238E27FC236}">
@@ -5934,7 +6063,7 @@
 </p:sld>
 </file>
 
-<file path=ppt/slides/slide11.xml><?xml version="1.0" encoding="utf-8"?>
+<file path=ppt/slides/slide12.xml><?xml version="1.0" encoding="utf-8"?>
 <p:sld xmlns:a="http://schemas.openxmlformats.org/drawingml/2006/main" xmlns:r="http://schemas.openxmlformats.org/officeDocument/2006/relationships" xmlns:p="http://schemas.openxmlformats.org/presentationml/2006/main">
   <p:cSld>
     <p:spTree>
@@ -7474,7 +7603,7 @@
 </p:sld>
 </file>
 
-<file path=ppt/slides/slide12.xml><?xml version="1.0" encoding="utf-8"?>
+<file path=ppt/slides/slide13.xml><?xml version="1.0" encoding="utf-8"?>
 <p:sld xmlns:a="http://schemas.openxmlformats.org/drawingml/2006/main" xmlns:r="http://schemas.openxmlformats.org/officeDocument/2006/relationships" xmlns:p="http://schemas.openxmlformats.org/presentationml/2006/main">
   <p:cSld>
     <p:spTree>
@@ -8881,8 +9010,8 @@
         </p:blipFill>
         <p:spPr>
           <a:xfrm>
-            <a:off x="8563155" y="0"/>
-            <a:ext cx="3543448" cy="6858000"/>
+            <a:off x="8488017" y="0"/>
+            <a:ext cx="3618586" cy="6858000"/>
           </a:xfrm>
           <a:prstGeom prst="rect">
             <a:avLst/>
@@ -8891,10 +9020,10 @@
       </p:pic>
       <p:pic>
         <p:nvPicPr>
-          <p:cNvPr id="12" name="图片 11">
-            <a:extLst>
-              <a:ext uri="{FF2B5EF4-FFF2-40B4-BE49-F238E27FC236}">
-                <a16:creationId xmlns:a16="http://schemas.microsoft.com/office/drawing/2014/main" id="{1C74C487-D25A-1BFA-C4EA-479AD9AB67E7}"/>
+          <p:cNvPr id="14" name="图片 13">
+            <a:extLst>
+              <a:ext uri="{FF2B5EF4-FFF2-40B4-BE49-F238E27FC236}">
+                <a16:creationId xmlns:a16="http://schemas.microsoft.com/office/drawing/2014/main" id="{FE21198F-5C66-AE25-B3D5-061D4FAF8BE0}"/>
               </a:ext>
             </a:extLst>
           </p:cNvPr>
@@ -8911,8 +9040,8 @@
         </p:blipFill>
         <p:spPr>
           <a:xfrm>
-            <a:off x="4601517" y="1306535"/>
-            <a:ext cx="3543448" cy="971998"/>
+            <a:off x="4465320" y="3609257"/>
+            <a:ext cx="3869235" cy="1077218"/>
           </a:xfrm>
           <a:prstGeom prst="rect">
             <a:avLst/>
@@ -8921,10 +9050,10 @@
       </p:pic>
       <p:pic>
         <p:nvPicPr>
-          <p:cNvPr id="14" name="图片 13">
-            <a:extLst>
-              <a:ext uri="{FF2B5EF4-FFF2-40B4-BE49-F238E27FC236}">
-                <a16:creationId xmlns:a16="http://schemas.microsoft.com/office/drawing/2014/main" id="{FE21198F-5C66-AE25-B3D5-061D4FAF8BE0}"/>
+          <p:cNvPr id="16" name="图片 15">
+            <a:extLst>
+              <a:ext uri="{FF2B5EF4-FFF2-40B4-BE49-F238E27FC236}">
+                <a16:creationId xmlns:a16="http://schemas.microsoft.com/office/drawing/2014/main" id="{8EE953B0-0097-AE63-C915-9CF169463090}"/>
               </a:ext>
             </a:extLst>
           </p:cNvPr>
@@ -8941,44 +9070,85 @@
         </p:blipFill>
         <p:spPr>
           <a:xfrm>
-            <a:off x="4465320" y="3609257"/>
-            <a:ext cx="3869235" cy="1077218"/>
+            <a:off x="4465456" y="5350455"/>
+            <a:ext cx="4076413" cy="1077218"/>
           </a:xfrm>
           <a:prstGeom prst="rect">
             <a:avLst/>
           </a:prstGeom>
         </p:spPr>
       </p:pic>
-      <p:pic>
-        <p:nvPicPr>
-          <p:cNvPr id="16" name="图片 15">
-            <a:extLst>
-              <a:ext uri="{FF2B5EF4-FFF2-40B4-BE49-F238E27FC236}">
-                <a16:creationId xmlns:a16="http://schemas.microsoft.com/office/drawing/2014/main" id="{8EE953B0-0097-AE63-C915-9CF169463090}"/>
-              </a:ext>
-            </a:extLst>
-          </p:cNvPr>
-          <p:cNvPicPr>
-            <a:picLocks noChangeAspect="1"/>
-          </p:cNvPicPr>
+      <p:sp>
+        <p:nvSpPr>
+          <p:cNvPr id="2" name="文本框 1">
+            <a:extLst>
+              <a:ext uri="{FF2B5EF4-FFF2-40B4-BE49-F238E27FC236}">
+                <a16:creationId xmlns:a16="http://schemas.microsoft.com/office/drawing/2014/main" id="{8C33080B-617D-D143-A414-758C95F396B1}"/>
+              </a:ext>
+            </a:extLst>
+          </p:cNvPr>
+          <p:cNvSpPr txBox="1"/>
           <p:nvPr/>
-        </p:nvPicPr>
-        <p:blipFill>
-          <a:blip r:embed="rId6"/>
-          <a:stretch>
-            <a:fillRect/>
-          </a:stretch>
-        </p:blipFill>
-        <p:spPr>
-          <a:xfrm>
-            <a:off x="4465456" y="5350455"/>
-            <a:ext cx="4076413" cy="1077218"/>
+        </p:nvSpPr>
+        <p:spPr>
+          <a:xfrm>
+            <a:off x="4460655" y="1343661"/>
+            <a:ext cx="4419800" cy="1200329"/>
           </a:xfrm>
           <a:prstGeom prst="rect">
             <a:avLst/>
           </a:prstGeom>
-        </p:spPr>
-      </p:pic>
+          <a:noFill/>
+        </p:spPr>
+        <p:txBody>
+          <a:bodyPr wrap="none" rtlCol="0">
+            <a:spAutoFit/>
+          </a:bodyPr>
+          <a:lstStyle/>
+          <a:p>
+            <a:pPr algn="l">
+              <a:buFont typeface="Arial" panose="020B0604020202020204" pitchFamily="34" charset="0"/>
+              <a:buChar char="•"/>
+            </a:pPr>
+            <a:r>
+              <a:rPr lang="zh-CN" altLang="en-US" b="0" i="0" dirty="0">
+                <a:effectLst/>
+                <a:latin typeface="Inter"/>
+              </a:rPr>
+              <a:t>支持帖子发布、浏览、点赞、收藏等功能</a:t>
+            </a:r>
+          </a:p>
+          <a:p>
+            <a:pPr algn="l">
+              <a:buFont typeface="Arial" panose="020B0604020202020204" pitchFamily="34" charset="0"/>
+              <a:buChar char="•"/>
+            </a:pPr>
+            <a:r>
+              <a:rPr lang="zh-CN" altLang="en-US" b="0" i="0" dirty="0">
+                <a:effectLst/>
+                <a:latin typeface="Inter"/>
+              </a:rPr>
+              <a:t>实现了帖子搜索和分类筛选</a:t>
+            </a:r>
+          </a:p>
+          <a:p>
+            <a:pPr algn="l">
+              <a:buFont typeface="Arial" panose="020B0604020202020204" pitchFamily="34" charset="0"/>
+              <a:buChar char="•"/>
+            </a:pPr>
+            <a:r>
+              <a:rPr lang="zh-CN" altLang="en-US" b="0" i="0" dirty="0">
+                <a:effectLst/>
+                <a:latin typeface="Inter"/>
+              </a:rPr>
+              <a:t>支持帖子管理</a:t>
+            </a:r>
+          </a:p>
+          <a:p>
+            <a:endParaRPr lang="zh-CN" altLang="en-US" dirty="0"/>
+          </a:p>
+        </p:txBody>
+      </p:sp>
     </p:spTree>
     <p:extLst>
       <p:ext uri="{BB962C8B-B14F-4D97-AF65-F5344CB8AC3E}">
@@ -9010,7 +9180,7 @@
                             </p:stCondLst>
                             <p:childTnLst>
                               <p:par>
-                                <p:cTn id="5" presetID="1" presetClass="entr" presetSubtype="0" fill="hold" nodeType="clickEffect">
+                                <p:cTn id="5" presetID="1" presetClass="entr" presetSubtype="0" fill="hold" grpId="0" nodeType="clickEffect">
                                   <p:stCondLst>
                                     <p:cond delay="0"/>
                                   </p:stCondLst>
@@ -9023,7 +9193,7 @@
                                           </p:stCondLst>
                                         </p:cTn>
                                         <p:tgtEl>
-                                          <p:spTgt spid="9"/>
+                                          <p:spTgt spid="7"/>
                                         </p:tgtEl>
                                         <p:attrNameLst>
                                           <p:attrName>style.visibility</p:attrName>
@@ -9036,26 +9206,35 @@
                                   </p:childTnLst>
                                 </p:cTn>
                               </p:par>
-                            </p:childTnLst>
-                          </p:cTn>
-                        </p:par>
-                      </p:childTnLst>
-                    </p:cTn>
-                  </p:par>
-                  <p:par>
-                    <p:cTn id="7" fill="hold">
-                      <p:stCondLst>
-                        <p:cond delay="indefinite"/>
-                      </p:stCondLst>
-                      <p:childTnLst>
-                        <p:par>
-                          <p:cTn id="8" fill="hold">
-                            <p:stCondLst>
-                              <p:cond delay="0"/>
-                            </p:stCondLst>
-                            <p:childTnLst>
                               <p:par>
-                                <p:cTn id="9" presetID="1" presetClass="entr" presetSubtype="0" fill="hold" grpId="0" nodeType="clickEffect">
+                                <p:cTn id="7" presetID="1" presetClass="entr" presetSubtype="0" fill="hold" grpId="0" nodeType="withEffect">
+                                  <p:stCondLst>
+                                    <p:cond delay="0"/>
+                                  </p:stCondLst>
+                                  <p:childTnLst>
+                                    <p:set>
+                                      <p:cBhvr>
+                                        <p:cTn id="8" dur="1" fill="hold">
+                                          <p:stCondLst>
+                                            <p:cond delay="0"/>
+                                          </p:stCondLst>
+                                        </p:cTn>
+                                        <p:tgtEl>
+                                          <p:spTgt spid="15"/>
+                                        </p:tgtEl>
+                                        <p:attrNameLst>
+                                          <p:attrName>style.visibility</p:attrName>
+                                        </p:attrNameLst>
+                                      </p:cBhvr>
+                                      <p:to>
+                                        <p:strVal val="visible"/>
+                                      </p:to>
+                                    </p:set>
+                                  </p:childTnLst>
+                                </p:cTn>
+                              </p:par>
+                              <p:par>
+                                <p:cTn id="9" presetID="1" presetClass="entr" presetSubtype="0" fill="hold" grpId="0" nodeType="withEffect">
                                   <p:stCondLst>
                                     <p:cond delay="0"/>
                                   </p:stCondLst>
@@ -9068,7 +9247,7 @@
                                           </p:stCondLst>
                                         </p:cTn>
                                         <p:tgtEl>
-                                          <p:spTgt spid="7"/>
+                                          <p:spTgt spid="19"/>
                                         </p:tgtEl>
                                         <p:attrNameLst>
                                           <p:attrName>style.visibility</p:attrName>
@@ -9095,60 +9274,6 @@
                                           </p:stCondLst>
                                         </p:cTn>
                                         <p:tgtEl>
-                                          <p:spTgt spid="15"/>
-                                        </p:tgtEl>
-                                        <p:attrNameLst>
-                                          <p:attrName>style.visibility</p:attrName>
-                                        </p:attrNameLst>
-                                      </p:cBhvr>
-                                      <p:to>
-                                        <p:strVal val="visible"/>
-                                      </p:to>
-                                    </p:set>
-                                  </p:childTnLst>
-                                </p:cTn>
-                              </p:par>
-                              <p:par>
-                                <p:cTn id="13" presetID="1" presetClass="entr" presetSubtype="0" fill="hold" grpId="0" nodeType="withEffect">
-                                  <p:stCondLst>
-                                    <p:cond delay="0"/>
-                                  </p:stCondLst>
-                                  <p:childTnLst>
-                                    <p:set>
-                                      <p:cBhvr>
-                                        <p:cTn id="14" dur="1" fill="hold">
-                                          <p:stCondLst>
-                                            <p:cond delay="0"/>
-                                          </p:stCondLst>
-                                        </p:cTn>
-                                        <p:tgtEl>
-                                          <p:spTgt spid="19"/>
-                                        </p:tgtEl>
-                                        <p:attrNameLst>
-                                          <p:attrName>style.visibility</p:attrName>
-                                        </p:attrNameLst>
-                                      </p:cBhvr>
-                                      <p:to>
-                                        <p:strVal val="visible"/>
-                                      </p:to>
-                                    </p:set>
-                                  </p:childTnLst>
-                                </p:cTn>
-                              </p:par>
-                              <p:par>
-                                <p:cTn id="15" presetID="1" presetClass="entr" presetSubtype="0" fill="hold" grpId="0" nodeType="withEffect">
-                                  <p:stCondLst>
-                                    <p:cond delay="0"/>
-                                  </p:stCondLst>
-                                  <p:childTnLst>
-                                    <p:set>
-                                      <p:cBhvr>
-                                        <p:cTn id="16" dur="1" fill="hold">
-                                          <p:stCondLst>
-                                            <p:cond delay="0"/>
-                                          </p:stCondLst>
-                                        </p:cTn>
-                                        <p:tgtEl>
                                           <p:spTgt spid="21"/>
                                         </p:tgtEl>
                                         <p:attrNameLst>
@@ -9163,14 +9288,14 @@
                                 </p:cTn>
                               </p:par>
                               <p:par>
-                                <p:cTn id="17" presetID="1" presetClass="entr" presetSubtype="0" fill="hold" nodeType="withEffect">
+                                <p:cTn id="13" presetID="1" presetClass="entr" presetSubtype="0" fill="hold" nodeType="withEffect">
                                   <p:stCondLst>
                                     <p:cond delay="0"/>
                                   </p:stCondLst>
                                   <p:childTnLst>
                                     <p:set>
                                       <p:cBhvr>
-                                        <p:cTn id="18" dur="1" fill="hold">
+                                        <p:cTn id="14" dur="1" fill="hold">
                                           <p:stCondLst>
                                             <p:cond delay="0"/>
                                           </p:stCondLst>
@@ -9196,19 +9321,73 @@
                     </p:cTn>
                   </p:par>
                   <p:par>
-                    <p:cTn id="19" fill="hold">
+                    <p:cTn id="15" fill="hold">
                       <p:stCondLst>
                         <p:cond delay="indefinite"/>
                       </p:stCondLst>
                       <p:childTnLst>
                         <p:par>
-                          <p:cTn id="20" fill="hold">
+                          <p:cTn id="16" fill="hold">
                             <p:stCondLst>
                               <p:cond delay="0"/>
                             </p:stCondLst>
                             <p:childTnLst>
                               <p:par>
-                                <p:cTn id="21" presetID="1" presetClass="entr" presetSubtype="0" fill="hold" grpId="0" nodeType="clickEffect">
+                                <p:cTn id="17" presetID="1" presetClass="entr" presetSubtype="0" fill="hold" grpId="0" nodeType="clickEffect">
+                                  <p:stCondLst>
+                                    <p:cond delay="0"/>
+                                  </p:stCondLst>
+                                  <p:childTnLst>
+                                    <p:set>
+                                      <p:cBhvr>
+                                        <p:cTn id="18" dur="1" fill="hold">
+                                          <p:stCondLst>
+                                            <p:cond delay="0"/>
+                                          </p:stCondLst>
+                                        </p:cTn>
+                                        <p:tgtEl>
+                                          <p:spTgt spid="11"/>
+                                        </p:tgtEl>
+                                        <p:attrNameLst>
+                                          <p:attrName>style.visibility</p:attrName>
+                                        </p:attrNameLst>
+                                      </p:cBhvr>
+                                      <p:to>
+                                        <p:strVal val="visible"/>
+                                      </p:to>
+                                    </p:set>
+                                  </p:childTnLst>
+                                </p:cTn>
+                              </p:par>
+                              <p:par>
+                                <p:cTn id="19" presetID="1" presetClass="entr" presetSubtype="0" fill="hold" grpId="0" nodeType="withEffect">
+                                  <p:stCondLst>
+                                    <p:cond delay="0"/>
+                                  </p:stCondLst>
+                                  <p:childTnLst>
+                                    <p:set>
+                                      <p:cBhvr>
+                                        <p:cTn id="20" dur="1" fill="hold">
+                                          <p:stCondLst>
+                                            <p:cond delay="0"/>
+                                          </p:stCondLst>
+                                        </p:cTn>
+                                        <p:tgtEl>
+                                          <p:spTgt spid="13"/>
+                                        </p:tgtEl>
+                                        <p:attrNameLst>
+                                          <p:attrName>style.visibility</p:attrName>
+                                        </p:attrNameLst>
+                                      </p:cBhvr>
+                                      <p:to>
+                                        <p:strVal val="visible"/>
+                                      </p:to>
+                                    </p:set>
+                                  </p:childTnLst>
+                                </p:cTn>
+                              </p:par>
+                              <p:par>
+                                <p:cTn id="21" presetID="1" presetClass="entr" presetSubtype="0" fill="hold" nodeType="withEffect">
                                   <p:stCondLst>
                                     <p:cond delay="0"/>
                                   </p:stCondLst>
@@ -9221,7 +9400,7 @@
                                           </p:stCondLst>
                                         </p:cTn>
                                         <p:tgtEl>
-                                          <p:spTgt spid="11"/>
+                                          <p:spTgt spid="16"/>
                                         </p:tgtEl>
                                         <p:attrNameLst>
                                           <p:attrName>style.visibility</p:attrName>
@@ -9243,60 +9422,6 @@
                                     <p:set>
                                       <p:cBhvr>
                                         <p:cTn id="24" dur="1" fill="hold">
-                                          <p:stCondLst>
-                                            <p:cond delay="0"/>
-                                          </p:stCondLst>
-                                        </p:cTn>
-                                        <p:tgtEl>
-                                          <p:spTgt spid="13"/>
-                                        </p:tgtEl>
-                                        <p:attrNameLst>
-                                          <p:attrName>style.visibility</p:attrName>
-                                        </p:attrNameLst>
-                                      </p:cBhvr>
-                                      <p:to>
-                                        <p:strVal val="visible"/>
-                                      </p:to>
-                                    </p:set>
-                                  </p:childTnLst>
-                                </p:cTn>
-                              </p:par>
-                              <p:par>
-                                <p:cTn id="25" presetID="1" presetClass="entr" presetSubtype="0" fill="hold" nodeType="withEffect">
-                                  <p:stCondLst>
-                                    <p:cond delay="0"/>
-                                  </p:stCondLst>
-                                  <p:childTnLst>
-                                    <p:set>
-                                      <p:cBhvr>
-                                        <p:cTn id="26" dur="1" fill="hold">
-                                          <p:stCondLst>
-                                            <p:cond delay="0"/>
-                                          </p:stCondLst>
-                                        </p:cTn>
-                                        <p:tgtEl>
-                                          <p:spTgt spid="16"/>
-                                        </p:tgtEl>
-                                        <p:attrNameLst>
-                                          <p:attrName>style.visibility</p:attrName>
-                                        </p:attrNameLst>
-                                      </p:cBhvr>
-                                      <p:to>
-                                        <p:strVal val="visible"/>
-                                      </p:to>
-                                    </p:set>
-                                  </p:childTnLst>
-                                </p:cTn>
-                              </p:par>
-                              <p:par>
-                                <p:cTn id="27" presetID="1" presetClass="entr" presetSubtype="0" fill="hold" grpId="0" nodeType="withEffect">
-                                  <p:stCondLst>
-                                    <p:cond delay="0"/>
-                                  </p:stCondLst>
-                                  <p:childTnLst>
-                                    <p:set>
-                                      <p:cBhvr>
-                                        <p:cTn id="28" dur="1" fill="hold">
                                           <p:stCondLst>
                                             <p:cond delay="0"/>
                                           </p:stCondLst>
@@ -9567,7 +9692,7 @@
                 <a:latin typeface="Comic Sans MS" panose="030F0702030302020204" pitchFamily="66" charset="0"/>
                 <a:ea typeface="微软雅黑" panose="020B0503020204020204" pitchFamily="34" charset="-122"/>
               </a:rPr>
-              <a:t>PostImage </a:t>
+              <a:t>Image </a:t>
             </a:r>
             <a:r>
               <a:rPr lang="zh-CN" altLang="en-US" sz="1600" dirty="0">
@@ -9615,7 +9740,7 @@
                 <a:latin typeface="Comic Sans MS" panose="030F0702030302020204" pitchFamily="66" charset="0"/>
                 <a:ea typeface="微软雅黑" panose="020B0503020204020204" pitchFamily="34" charset="-122"/>
               </a:rPr>
-              <a:t>PostTag </a:t>
+              <a:t>Tag </a:t>
             </a:r>
             <a:r>
               <a:rPr lang="zh-CN" altLang="en-US" sz="1600" dirty="0">
@@ -10541,7 +10666,7 @@
                 <a:latin typeface="微软雅黑" panose="020B0503020204020204" pitchFamily="34" charset="-122"/>
                 <a:ea typeface="微软雅黑" panose="020B0503020204020204" pitchFamily="34" charset="-122"/>
               </a:rPr>
-              <a:t>子句过滤数据，减少返回结果集大小</a:t>
+              <a:t>子句过滤冗余数据，减少返回结果集大小</a:t>
             </a:r>
           </a:p>
         </p:txBody>
@@ -11619,8 +11744,8 @@
         </p:blipFill>
         <p:spPr>
           <a:xfrm>
-            <a:off x="111642" y="1076390"/>
-            <a:ext cx="11968716" cy="962922"/>
+            <a:off x="138223" y="903625"/>
+            <a:ext cx="11968716" cy="644040"/>
           </a:xfrm>
           <a:prstGeom prst="rect">
             <a:avLst/>
@@ -11641,7 +11766,7 @@
         </p:nvSpPr>
         <p:spPr>
           <a:xfrm>
-            <a:off x="5154133" y="672792"/>
+            <a:off x="5154132" y="373329"/>
             <a:ext cx="1730448" cy="369332"/>
           </a:xfrm>
           <a:prstGeom prst="rect">
@@ -11684,7 +11809,7 @@
         </p:blipFill>
         <p:spPr>
           <a:xfrm>
-            <a:off x="85060" y="2545972"/>
+            <a:off x="85060" y="1716558"/>
             <a:ext cx="12021879" cy="1626087"/>
           </a:xfrm>
           <a:prstGeom prst="rect">
@@ -11706,7 +11831,7 @@
         </p:nvSpPr>
         <p:spPr>
           <a:xfrm>
-            <a:off x="5003947" y="2107976"/>
+            <a:off x="5003946" y="1465160"/>
             <a:ext cx="2030819" cy="369332"/>
           </a:xfrm>
           <a:prstGeom prst="rect">
@@ -11731,36 +11856,6 @@
           </a:p>
         </p:txBody>
       </p:sp>
-      <p:pic>
-        <p:nvPicPr>
-          <p:cNvPr id="9" name="图片 8">
-            <a:extLst>
-              <a:ext uri="{FF2B5EF4-FFF2-40B4-BE49-F238E27FC236}">
-                <a16:creationId xmlns:a16="http://schemas.microsoft.com/office/drawing/2014/main" id="{838A5EF8-887B-3011-49DE-7C84848D41AF}"/>
-              </a:ext>
-            </a:extLst>
-          </p:cNvPr>
-          <p:cNvPicPr>
-            <a:picLocks noChangeAspect="1"/>
-          </p:cNvPicPr>
-          <p:nvPr/>
-        </p:nvPicPr>
-        <p:blipFill>
-          <a:blip r:embed="rId4"/>
-          <a:stretch>
-            <a:fillRect/>
-          </a:stretch>
-        </p:blipFill>
-        <p:spPr>
-          <a:xfrm>
-            <a:off x="441251" y="4492256"/>
-            <a:ext cx="11243931" cy="2312581"/>
-          </a:xfrm>
-          <a:prstGeom prst="rect">
-            <a:avLst/>
-          </a:prstGeom>
-        </p:spPr>
-      </p:pic>
       <p:sp>
         <p:nvSpPr>
           <p:cNvPr id="10" name="矩形: 圆角 9">
@@ -11865,12 +11960,42 @@
           </a:p>
         </p:txBody>
       </p:sp>
-      <p:sp>
-        <p:nvSpPr>
-          <p:cNvPr id="13" name="文本框 12">
-            <a:extLst>
-              <a:ext uri="{FF2B5EF4-FFF2-40B4-BE49-F238E27FC236}">
-                <a16:creationId xmlns:a16="http://schemas.microsoft.com/office/drawing/2014/main" id="{3C8CD56A-BA27-F580-BEA0-23F13B02DE37}"/>
+      <p:pic>
+        <p:nvPicPr>
+          <p:cNvPr id="3" name="图片 2">
+            <a:extLst>
+              <a:ext uri="{FF2B5EF4-FFF2-40B4-BE49-F238E27FC236}">
+                <a16:creationId xmlns:a16="http://schemas.microsoft.com/office/drawing/2014/main" id="{12E95F7B-D66A-B566-D438-150A68A51EEC}"/>
+              </a:ext>
+            </a:extLst>
+          </p:cNvPr>
+          <p:cNvPicPr>
+            <a:picLocks noChangeAspect="1"/>
+          </p:cNvPicPr>
+          <p:nvPr/>
+        </p:nvPicPr>
+        <p:blipFill>
+          <a:blip r:embed="rId4"/>
+          <a:stretch>
+            <a:fillRect/>
+          </a:stretch>
+        </p:blipFill>
+        <p:spPr>
+          <a:xfrm>
+            <a:off x="0" y="3293165"/>
+            <a:ext cx="12192000" cy="3725659"/>
+          </a:xfrm>
+          <a:prstGeom prst="rect">
+            <a:avLst/>
+          </a:prstGeom>
+        </p:spPr>
+      </p:pic>
+      <p:sp>
+        <p:nvSpPr>
+          <p:cNvPr id="12" name="文本框 11">
+            <a:extLst>
+              <a:ext uri="{FF2B5EF4-FFF2-40B4-BE49-F238E27FC236}">
+                <a16:creationId xmlns:a16="http://schemas.microsoft.com/office/drawing/2014/main" id="{22EC1CFC-705C-360C-B13A-434F8FA620BD}"/>
               </a:ext>
             </a:extLst>
           </p:cNvPr>
@@ -11879,8 +12004,8 @@
         </p:nvSpPr>
         <p:spPr>
           <a:xfrm>
-            <a:off x="5003947" y="4148357"/>
-            <a:ext cx="1822155" cy="369332"/>
+            <a:off x="6792990" y="3511538"/>
+            <a:ext cx="2030819" cy="369332"/>
           </a:xfrm>
           <a:prstGeom prst="rect">
             <a:avLst/>
@@ -11888,23 +12013,14 @@
           <a:noFill/>
         </p:spPr>
         <p:txBody>
-          <a:bodyPr wrap="square">
+          <a:bodyPr wrap="square" rtlCol="0">
             <a:spAutoFit/>
           </a:bodyPr>
           <a:lstStyle/>
           <a:p>
-            <a:pPr>
-              <a:spcBef>
-                <a:spcPts val="1800"/>
-              </a:spcBef>
-              <a:spcAft>
-                <a:spcPts val="1200"/>
-              </a:spcAft>
-              <a:buNone/>
-            </a:pPr>
             <a:r>
               <a:rPr lang="zh-CN" altLang="en-US" dirty="0"/>
-              <a:t>商品购买流程</a:t>
+              <a:t>授权流程</a:t>
             </a:r>
           </a:p>
         </p:txBody>
@@ -11919,240 +12035,6 @@
   <p:clrMapOvr>
     <a:masterClrMapping/>
   </p:clrMapOvr>
-  <p:timing>
-    <p:tnLst>
-      <p:par>
-        <p:cTn id="1" dur="indefinite" restart="never" nodeType="tmRoot">
-          <p:childTnLst>
-            <p:seq concurrent="1" nextAc="seek">
-              <p:cTn id="2" dur="indefinite" nodeType="mainSeq">
-                <p:childTnLst>
-                  <p:par>
-                    <p:cTn id="3" fill="hold">
-                      <p:stCondLst>
-                        <p:cond delay="indefinite"/>
-                      </p:stCondLst>
-                      <p:childTnLst>
-                        <p:par>
-                          <p:cTn id="4" fill="hold">
-                            <p:stCondLst>
-                              <p:cond delay="0"/>
-                            </p:stCondLst>
-                            <p:childTnLst>
-                              <p:par>
-                                <p:cTn id="5" presetID="1" presetClass="entr" presetSubtype="0" fill="hold" nodeType="clickEffect">
-                                  <p:stCondLst>
-                                    <p:cond delay="0"/>
-                                  </p:stCondLst>
-                                  <p:childTnLst>
-                                    <p:set>
-                                      <p:cBhvr>
-                                        <p:cTn id="6" dur="1" fill="hold">
-                                          <p:stCondLst>
-                                            <p:cond delay="0"/>
-                                          </p:stCondLst>
-                                        </p:cTn>
-                                        <p:tgtEl>
-                                          <p:spTgt spid="7"/>
-                                        </p:tgtEl>
-                                        <p:attrNameLst>
-                                          <p:attrName>style.visibility</p:attrName>
-                                        </p:attrNameLst>
-                                      </p:cBhvr>
-                                      <p:to>
-                                        <p:strVal val="visible"/>
-                                      </p:to>
-                                    </p:set>
-                                  </p:childTnLst>
-                                </p:cTn>
-                              </p:par>
-                              <p:par>
-                                <p:cTn id="7" presetID="1" presetClass="entr" presetSubtype="0" fill="hold" grpId="0" nodeType="withEffect">
-                                  <p:stCondLst>
-                                    <p:cond delay="0"/>
-                                  </p:stCondLst>
-                                  <p:childTnLst>
-                                    <p:set>
-                                      <p:cBhvr>
-                                        <p:cTn id="8" dur="1" fill="hold">
-                                          <p:stCondLst>
-                                            <p:cond delay="0"/>
-                                          </p:stCondLst>
-                                        </p:cTn>
-                                        <p:tgtEl>
-                                          <p:spTgt spid="8"/>
-                                        </p:tgtEl>
-                                        <p:attrNameLst>
-                                          <p:attrName>style.visibility</p:attrName>
-                                        </p:attrNameLst>
-                                      </p:cBhvr>
-                                      <p:to>
-                                        <p:strVal val="visible"/>
-                                      </p:to>
-                                    </p:set>
-                                  </p:childTnLst>
-                                </p:cTn>
-                              </p:par>
-                              <p:par>
-                                <p:cTn id="9" presetID="1" presetClass="entr" presetSubtype="0" fill="hold" grpId="0" nodeType="withEffect">
-                                  <p:stCondLst>
-                                    <p:cond delay="0"/>
-                                  </p:stCondLst>
-                                  <p:childTnLst>
-                                    <p:set>
-                                      <p:cBhvr>
-                                        <p:cTn id="10" dur="1" fill="hold">
-                                          <p:stCondLst>
-                                            <p:cond delay="0"/>
-                                          </p:stCondLst>
-                                        </p:cTn>
-                                        <p:tgtEl>
-                                          <p:spTgt spid="10"/>
-                                        </p:tgtEl>
-                                        <p:attrNameLst>
-                                          <p:attrName>style.visibility</p:attrName>
-                                        </p:attrNameLst>
-                                      </p:cBhvr>
-                                      <p:to>
-                                        <p:strVal val="visible"/>
-                                      </p:to>
-                                    </p:set>
-                                  </p:childTnLst>
-                                </p:cTn>
-                              </p:par>
-                            </p:childTnLst>
-                          </p:cTn>
-                        </p:par>
-                      </p:childTnLst>
-                    </p:cTn>
-                  </p:par>
-                  <p:par>
-                    <p:cTn id="11" fill="hold">
-                      <p:stCondLst>
-                        <p:cond delay="indefinite"/>
-                      </p:stCondLst>
-                      <p:childTnLst>
-                        <p:par>
-                          <p:cTn id="12" fill="hold">
-                            <p:stCondLst>
-                              <p:cond delay="0"/>
-                            </p:stCondLst>
-                            <p:childTnLst>
-                              <p:par>
-                                <p:cTn id="13" presetID="1" presetClass="entr" presetSubtype="0" fill="hold" nodeType="clickEffect">
-                                  <p:stCondLst>
-                                    <p:cond delay="0"/>
-                                  </p:stCondLst>
-                                  <p:childTnLst>
-                                    <p:set>
-                                      <p:cBhvr>
-                                        <p:cTn id="14" dur="1" fill="hold">
-                                          <p:stCondLst>
-                                            <p:cond delay="0"/>
-                                          </p:stCondLst>
-                                        </p:cTn>
-                                        <p:tgtEl>
-                                          <p:spTgt spid="9"/>
-                                        </p:tgtEl>
-                                        <p:attrNameLst>
-                                          <p:attrName>style.visibility</p:attrName>
-                                        </p:attrNameLst>
-                                      </p:cBhvr>
-                                      <p:to>
-                                        <p:strVal val="visible"/>
-                                      </p:to>
-                                    </p:set>
-                                  </p:childTnLst>
-                                </p:cTn>
-                              </p:par>
-                              <p:par>
-                                <p:cTn id="15" presetID="1" presetClass="entr" presetSubtype="0" fill="hold" grpId="0" nodeType="withEffect">
-                                  <p:stCondLst>
-                                    <p:cond delay="0"/>
-                                  </p:stCondLst>
-                                  <p:childTnLst>
-                                    <p:set>
-                                      <p:cBhvr>
-                                        <p:cTn id="16" dur="1" fill="hold">
-                                          <p:stCondLst>
-                                            <p:cond delay="0"/>
-                                          </p:stCondLst>
-                                        </p:cTn>
-                                        <p:tgtEl>
-                                          <p:spTgt spid="13"/>
-                                        </p:tgtEl>
-                                        <p:attrNameLst>
-                                          <p:attrName>style.visibility</p:attrName>
-                                        </p:attrNameLst>
-                                      </p:cBhvr>
-                                      <p:to>
-                                        <p:strVal val="visible"/>
-                                      </p:to>
-                                    </p:set>
-                                  </p:childTnLst>
-                                </p:cTn>
-                              </p:par>
-                              <p:par>
-                                <p:cTn id="17" presetID="1" presetClass="entr" presetSubtype="0" fill="hold" grpId="0" nodeType="withEffect">
-                                  <p:stCondLst>
-                                    <p:cond delay="0"/>
-                                  </p:stCondLst>
-                                  <p:childTnLst>
-                                    <p:set>
-                                      <p:cBhvr>
-                                        <p:cTn id="18" dur="1" fill="hold">
-                                          <p:stCondLst>
-                                            <p:cond delay="0"/>
-                                          </p:stCondLst>
-                                        </p:cTn>
-                                        <p:tgtEl>
-                                          <p:spTgt spid="11"/>
-                                        </p:tgtEl>
-                                        <p:attrNameLst>
-                                          <p:attrName>style.visibility</p:attrName>
-                                        </p:attrNameLst>
-                                      </p:cBhvr>
-                                      <p:to>
-                                        <p:strVal val="visible"/>
-                                      </p:to>
-                                    </p:set>
-                                  </p:childTnLst>
-                                </p:cTn>
-                              </p:par>
-                            </p:childTnLst>
-                          </p:cTn>
-                        </p:par>
-                      </p:childTnLst>
-                    </p:cTn>
-                  </p:par>
-                </p:childTnLst>
-              </p:cTn>
-              <p:prevCondLst>
-                <p:cond evt="onPrev" delay="0">
-                  <p:tgtEl>
-                    <p:sldTgt/>
-                  </p:tgtEl>
-                </p:cond>
-              </p:prevCondLst>
-              <p:nextCondLst>
-                <p:cond evt="onNext" delay="0">
-                  <p:tgtEl>
-                    <p:sldTgt/>
-                  </p:tgtEl>
-                </p:cond>
-              </p:nextCondLst>
-            </p:seq>
-          </p:childTnLst>
-        </p:cTn>
-      </p:par>
-    </p:tnLst>
-    <p:bldLst>
-      <p:bldP spid="8" grpId="0"/>
-      <p:bldP spid="10" grpId="0" animBg="1"/>
-      <p:bldP spid="11" grpId="0" animBg="1"/>
-      <p:bldP spid="13" grpId="0"/>
-    </p:bldLst>
-  </p:timing>
 </p:sld>
 </file>
 

--- a/report/数据库演示.pptx
+++ b/report/数据库演示.pptx
@@ -5,7 +5,7 @@
     <p:sldMasterId id="2147483648" r:id="rId1"/>
   </p:sldMasterIdLst>
   <p:notesMasterIdLst>
-    <p:notesMasterId r:id="rId15"/>
+    <p:notesMasterId r:id="rId16"/>
   </p:notesMasterIdLst>
   <p:sldIdLst>
     <p:sldId id="256" r:id="rId2"/>
@@ -20,7 +20,8 @@
     <p:sldId id="269" r:id="rId11"/>
     <p:sldId id="260" r:id="rId12"/>
     <p:sldId id="267" r:id="rId13"/>
-    <p:sldId id="261" r:id="rId14"/>
+    <p:sldId id="270" r:id="rId14"/>
+    <p:sldId id="261" r:id="rId15"/>
   </p:sldIdLst>
   <p:sldSz cx="12192000" cy="6858000"/>
   <p:notesSz cx="6858000" cy="9144000"/>
@@ -5430,7 +5431,7 @@
         </p:blipFill>
         <p:spPr>
           <a:xfrm>
-            <a:off x="0" y="980041"/>
+            <a:off x="0" y="927353"/>
             <a:ext cx="5463882" cy="2740964"/>
           </a:xfrm>
           <a:prstGeom prst="rect">
@@ -5468,6 +5469,42 @@
           </a:prstGeom>
         </p:spPr>
       </p:pic>
+      <p:sp>
+        <p:nvSpPr>
+          <p:cNvPr id="3" name="内容占位符 2">
+            <a:extLst>
+              <a:ext uri="{FF2B5EF4-FFF2-40B4-BE49-F238E27FC236}">
+                <a16:creationId xmlns:a16="http://schemas.microsoft.com/office/drawing/2014/main" id="{25196104-1EB7-122D-54C6-036DBECD4AF6}"/>
+              </a:ext>
+            </a:extLst>
+          </p:cNvPr>
+          <p:cNvSpPr>
+            <a:spLocks noGrp="1"/>
+          </p:cNvSpPr>
+          <p:nvPr>
+            <p:ph idx="1"/>
+          </p:nvPr>
+        </p:nvSpPr>
+        <p:spPr>
+          <a:xfrm>
+            <a:off x="2524191" y="329609"/>
+            <a:ext cx="10515600" cy="4351338"/>
+          </a:xfrm>
+        </p:spPr>
+        <p:txBody>
+          <a:bodyPr/>
+          <a:lstStyle/>
+          <a:p>
+            <a:r>
+              <a:rPr lang="zh-CN" altLang="en-US" dirty="0">
+                <a:hlinkClick r:id="rId8"/>
+              </a:rPr>
+              <a:t>南方财富</a:t>
+            </a:r>
+            <a:endParaRPr lang="zh-CN" altLang="en-US" dirty="0"/>
+          </a:p>
+        </p:txBody>
+      </p:sp>
     </p:spTree>
     <p:extLst>
       <p:ext uri="{BB962C8B-B14F-4D97-AF65-F5344CB8AC3E}">
@@ -7608,6 +7645,86 @@
   <p:cSld>
     <p:spTree>
       <p:nvGrpSpPr>
+        <p:cNvPr id="1" name=""/>
+        <p:cNvGrpSpPr/>
+        <p:nvPr/>
+      </p:nvGrpSpPr>
+      <p:grpSpPr>
+        <a:xfrm>
+          <a:off x="0" y="0"/>
+          <a:ext cx="0" cy="0"/>
+          <a:chOff x="0" y="0"/>
+          <a:chExt cx="0" cy="0"/>
+        </a:xfrm>
+      </p:grpSpPr>
+      <p:sp>
+        <p:nvSpPr>
+          <p:cNvPr id="2" name="标题 1">
+            <a:extLst>
+              <a:ext uri="{FF2B5EF4-FFF2-40B4-BE49-F238E27FC236}">
+                <a16:creationId xmlns:a16="http://schemas.microsoft.com/office/drawing/2014/main" id="{DFFED15E-C161-E498-F76E-1DBEFDC5480B}"/>
+              </a:ext>
+            </a:extLst>
+          </p:cNvPr>
+          <p:cNvSpPr>
+            <a:spLocks noGrp="1"/>
+          </p:cNvSpPr>
+          <p:nvPr>
+            <p:ph type="title"/>
+          </p:nvPr>
+        </p:nvSpPr>
+        <p:spPr/>
+        <p:txBody>
+          <a:bodyPr/>
+          <a:lstStyle/>
+          <a:p>
+            <a:endParaRPr lang="zh-CN" altLang="en-US" dirty="0"/>
+          </a:p>
+        </p:txBody>
+      </p:sp>
+      <p:sp>
+        <p:nvSpPr>
+          <p:cNvPr id="5" name="内容占位符 4">
+            <a:extLst>
+              <a:ext uri="{FF2B5EF4-FFF2-40B4-BE49-F238E27FC236}">
+                <a16:creationId xmlns:a16="http://schemas.microsoft.com/office/drawing/2014/main" id="{532E5581-2EA2-3EE5-60C7-7F726683856F}"/>
+              </a:ext>
+            </a:extLst>
+          </p:cNvPr>
+          <p:cNvSpPr>
+            <a:spLocks noGrp="1"/>
+          </p:cNvSpPr>
+          <p:nvPr>
+            <p:ph idx="1"/>
+          </p:nvPr>
+        </p:nvSpPr>
+        <p:spPr/>
+        <p:txBody>
+          <a:bodyPr/>
+          <a:lstStyle/>
+          <a:p>
+            <a:endParaRPr lang="zh-CN" altLang="en-US"/>
+          </a:p>
+        </p:txBody>
+      </p:sp>
+    </p:spTree>
+    <p:extLst>
+      <p:ext uri="{BB962C8B-B14F-4D97-AF65-F5344CB8AC3E}">
+        <p14:creationId xmlns:p14="http://schemas.microsoft.com/office/powerpoint/2010/main" val="492631672"/>
+      </p:ext>
+    </p:extLst>
+  </p:cSld>
+  <p:clrMapOvr>
+    <a:masterClrMapping/>
+  </p:clrMapOvr>
+</p:sld>
+</file>
+
+<file path=ppt/slides/slide14.xml><?xml version="1.0" encoding="utf-8"?>
+<p:sld xmlns:a="http://schemas.openxmlformats.org/drawingml/2006/main" xmlns:r="http://schemas.openxmlformats.org/officeDocument/2006/relationships" xmlns:p="http://schemas.openxmlformats.org/presentationml/2006/main">
+  <p:cSld>
+    <p:spTree>
+      <p:nvGrpSpPr>
         <p:cNvPr id="1" name="">
           <a:extLst>
             <a:ext uri="{FF2B5EF4-FFF2-40B4-BE49-F238E27FC236}">
@@ -9093,7 +9210,7 @@
         <p:spPr>
           <a:xfrm>
             <a:off x="4460655" y="1343661"/>
-            <a:ext cx="4419800" cy="1200329"/>
+            <a:ext cx="5112297" cy="1200329"/>
           </a:xfrm>
           <a:prstGeom prst="rect">
             <a:avLst/>
@@ -9115,7 +9232,21 @@
                 <a:effectLst/>
                 <a:latin typeface="Inter"/>
               </a:rPr>
-              <a:t>支持帖子发布、浏览、点赞、收藏等功能</a:t>
+              <a:t>支持帖子发布、浏览、</a:t>
+            </a:r>
+            <a:r>
+              <a:rPr lang="zh-CN" altLang="en-US" b="0" i="0">
+                <a:effectLst/>
+                <a:latin typeface="Inter"/>
+              </a:rPr>
+              <a:t>点赞、编辑、</a:t>
+            </a:r>
+            <a:r>
+              <a:rPr lang="zh-CN" altLang="en-US" b="0" i="0" dirty="0">
+                <a:effectLst/>
+                <a:latin typeface="Inter"/>
+              </a:rPr>
+              <a:t>收藏等功能</a:t>
             </a:r>
           </a:p>
           <a:p>

--- a/report/数据库演示.pptx
+++ b/report/数据库演示.pptx
@@ -8014,7 +8014,21 @@
                 <a:latin typeface="Comic Sans MS" panose="030F0702030302020204" pitchFamily="66" charset="0"/>
                 <a:ea typeface="微软雅黑" panose="020B0503020204020204" pitchFamily="34" charset="-122"/>
               </a:rPr>
-              <a:t>C# + ASP.Net + Swagger</a:t>
+              <a:t>C# + </a:t>
+            </a:r>
+            <a:r>
+              <a:rPr lang="en-US" altLang="zh-CN" sz="2000" dirty="0" err="1">
+                <a:latin typeface="Comic Sans MS" panose="030F0702030302020204" pitchFamily="66" charset="0"/>
+                <a:ea typeface="微软雅黑" panose="020B0503020204020204" pitchFamily="34" charset="-122"/>
+              </a:rPr>
+              <a:t>ASP.Net</a:t>
+            </a:r>
+            <a:r>
+              <a:rPr lang="en-US" altLang="zh-CN" sz="2000" dirty="0">
+                <a:latin typeface="Comic Sans MS" panose="030F0702030302020204" pitchFamily="66" charset="0"/>
+                <a:ea typeface="微软雅黑" panose="020B0503020204020204" pitchFamily="34" charset="-122"/>
+              </a:rPr>
+              <a:t> + EF Core + Swagger</a:t>
             </a:r>
             <a:endParaRPr lang="zh-CN" altLang="en-US" sz="2000" dirty="0">
               <a:latin typeface="Comic Sans MS" panose="030F0702030302020204" pitchFamily="66" charset="0"/>
@@ -10085,10 +10099,10 @@
       </p:grpSpPr>
       <p:pic>
         <p:nvPicPr>
-          <p:cNvPr id="4" name="图片 3">
-            <a:extLst>
-              <a:ext uri="{FF2B5EF4-FFF2-40B4-BE49-F238E27FC236}">
-                <a16:creationId xmlns:a16="http://schemas.microsoft.com/office/drawing/2014/main" id="{D1613CD5-5074-4421-EDD0-8F6E6B738E74}"/>
+          <p:cNvPr id="3" name="图片 2">
+            <a:extLst>
+              <a:ext uri="{FF2B5EF4-FFF2-40B4-BE49-F238E27FC236}">
+                <a16:creationId xmlns:a16="http://schemas.microsoft.com/office/drawing/2014/main" id="{64B4FD53-BC26-8325-A6A7-078131F1055C}"/>
               </a:ext>
             </a:extLst>
           </p:cNvPr>
@@ -10105,8 +10119,8 @@
         </p:blipFill>
         <p:spPr>
           <a:xfrm>
-            <a:off x="1009400" y="-83289"/>
-            <a:ext cx="10431233" cy="7024577"/>
+            <a:off x="563710" y="0"/>
+            <a:ext cx="11064580" cy="6858000"/>
           </a:xfrm>
           <a:prstGeom prst="rect">
             <a:avLst/>

--- a/report/数据库演示.pptx
+++ b/report/数据库演示.pptx
@@ -5,7 +5,7 @@
     <p:sldMasterId id="2147483648" r:id="rId1"/>
   </p:sldMasterIdLst>
   <p:notesMasterIdLst>
-    <p:notesMasterId r:id="rId16"/>
+    <p:notesMasterId r:id="rId15"/>
   </p:notesMasterIdLst>
   <p:sldIdLst>
     <p:sldId id="256" r:id="rId2"/>
@@ -20,8 +20,7 @@
     <p:sldId id="269" r:id="rId11"/>
     <p:sldId id="260" r:id="rId12"/>
     <p:sldId id="267" r:id="rId13"/>
-    <p:sldId id="270" r:id="rId14"/>
-    <p:sldId id="261" r:id="rId15"/>
+    <p:sldId id="261" r:id="rId14"/>
   </p:sldIdLst>
   <p:sldSz cx="12192000" cy="6858000"/>
   <p:notesSz cx="6858000" cy="9144000"/>
@@ -7645,86 +7644,6 @@
   <p:cSld>
     <p:spTree>
       <p:nvGrpSpPr>
-        <p:cNvPr id="1" name=""/>
-        <p:cNvGrpSpPr/>
-        <p:nvPr/>
-      </p:nvGrpSpPr>
-      <p:grpSpPr>
-        <a:xfrm>
-          <a:off x="0" y="0"/>
-          <a:ext cx="0" cy="0"/>
-          <a:chOff x="0" y="0"/>
-          <a:chExt cx="0" cy="0"/>
-        </a:xfrm>
-      </p:grpSpPr>
-      <p:sp>
-        <p:nvSpPr>
-          <p:cNvPr id="2" name="标题 1">
-            <a:extLst>
-              <a:ext uri="{FF2B5EF4-FFF2-40B4-BE49-F238E27FC236}">
-                <a16:creationId xmlns:a16="http://schemas.microsoft.com/office/drawing/2014/main" id="{DFFED15E-C161-E498-F76E-1DBEFDC5480B}"/>
-              </a:ext>
-            </a:extLst>
-          </p:cNvPr>
-          <p:cNvSpPr>
-            <a:spLocks noGrp="1"/>
-          </p:cNvSpPr>
-          <p:nvPr>
-            <p:ph type="title"/>
-          </p:nvPr>
-        </p:nvSpPr>
-        <p:spPr/>
-        <p:txBody>
-          <a:bodyPr/>
-          <a:lstStyle/>
-          <a:p>
-            <a:endParaRPr lang="zh-CN" altLang="en-US" dirty="0"/>
-          </a:p>
-        </p:txBody>
-      </p:sp>
-      <p:sp>
-        <p:nvSpPr>
-          <p:cNvPr id="5" name="内容占位符 4">
-            <a:extLst>
-              <a:ext uri="{FF2B5EF4-FFF2-40B4-BE49-F238E27FC236}">
-                <a16:creationId xmlns:a16="http://schemas.microsoft.com/office/drawing/2014/main" id="{532E5581-2EA2-3EE5-60C7-7F726683856F}"/>
-              </a:ext>
-            </a:extLst>
-          </p:cNvPr>
-          <p:cNvSpPr>
-            <a:spLocks noGrp="1"/>
-          </p:cNvSpPr>
-          <p:nvPr>
-            <p:ph idx="1"/>
-          </p:nvPr>
-        </p:nvSpPr>
-        <p:spPr/>
-        <p:txBody>
-          <a:bodyPr/>
-          <a:lstStyle/>
-          <a:p>
-            <a:endParaRPr lang="zh-CN" altLang="en-US"/>
-          </a:p>
-        </p:txBody>
-      </p:sp>
-    </p:spTree>
-    <p:extLst>
-      <p:ext uri="{BB962C8B-B14F-4D97-AF65-F5344CB8AC3E}">
-        <p14:creationId xmlns:p14="http://schemas.microsoft.com/office/powerpoint/2010/main" val="492631672"/>
-      </p:ext>
-    </p:extLst>
-  </p:cSld>
-  <p:clrMapOvr>
-    <a:masterClrMapping/>
-  </p:clrMapOvr>
-</p:sld>
-</file>
-
-<file path=ppt/slides/slide14.xml><?xml version="1.0" encoding="utf-8"?>
-<p:sld xmlns:a="http://schemas.openxmlformats.org/drawingml/2006/main" xmlns:r="http://schemas.openxmlformats.org/officeDocument/2006/relationships" xmlns:p="http://schemas.openxmlformats.org/presentationml/2006/main">
-  <p:cSld>
-    <p:spTree>
-      <p:nvGrpSpPr>
         <p:cNvPr id="1" name="">
           <a:extLst>
             <a:ext uri="{FF2B5EF4-FFF2-40B4-BE49-F238E27FC236}">

--- a/report/数据库演示.pptx
+++ b/report/数据库演示.pptx
@@ -9613,7 +9613,7 @@
         </p:nvSpPr>
         <p:spPr>
           <a:xfrm>
-            <a:off x="5347883" y="890273"/>
+            <a:off x="2980033" y="1317698"/>
             <a:ext cx="1212894" cy="400110"/>
           </a:xfrm>
           <a:prstGeom prst="rect">
@@ -9880,10 +9880,10 @@
       </p:sp>
       <p:pic>
         <p:nvPicPr>
-          <p:cNvPr id="7" name="图片 6">
-            <a:extLst>
-              <a:ext uri="{FF2B5EF4-FFF2-40B4-BE49-F238E27FC236}">
-                <a16:creationId xmlns:a16="http://schemas.microsoft.com/office/drawing/2014/main" id="{FF84CF92-229C-AB96-0F5B-022A46D9F1B1}"/>
+          <p:cNvPr id="3" name="图片 2">
+            <a:extLst>
+              <a:ext uri="{FF2B5EF4-FFF2-40B4-BE49-F238E27FC236}">
+                <a16:creationId xmlns:a16="http://schemas.microsoft.com/office/drawing/2014/main" id="{A085A9D3-C2AD-3799-ED4A-83D8AD3DD8AC}"/>
               </a:ext>
             </a:extLst>
           </p:cNvPr>
@@ -9900,8 +9900,8 @@
         </p:blipFill>
         <p:spPr>
           <a:xfrm>
-            <a:off x="5146042" y="0"/>
-            <a:ext cx="6989365" cy="6858000"/>
+            <a:off x="4814704" y="0"/>
+            <a:ext cx="7377296" cy="6858000"/>
           </a:xfrm>
           <a:prstGeom prst="rect">
             <a:avLst/>
